--- a/KOPO-Spring(윤교수님)/Spring과제/Spring9강PPT_미완료.pptx
+++ b/KOPO-Spring(윤교수님)/Spring과제/Spring9강PPT_미완료.pptx
@@ -17,6 +17,7 @@
     <p:sldId id="279" r:id="rId11"/>
     <p:sldId id="274" r:id="rId12"/>
     <p:sldId id="280" r:id="rId13"/>
+    <p:sldId id="281" r:id="rId14"/>
   </p:sldIdLst>
   <p:sldSz cx="12192000" cy="6858000"/>
   <p:notesSz cx="6858000" cy="9144000"/>
@@ -3413,20 +3414,7 @@
                 </a:effectLst>
                 <a:latin typeface="+mj-ea"/>
               </a:rPr>
-              <a:t>Spring </a:t>
-            </a:r>
-            <a:r>
-              <a:rPr lang="en-US" altLang="ko-KR" dirty="0" smtClean="0">
-                <a:effectLst>
-                  <a:outerShdw blurRad="38100" dist="38100" dir="2700000" algn="tl">
-                    <a:srgbClr val="000000">
-                      <a:alpha val="43137"/>
-                    </a:srgbClr>
-                  </a:outerShdw>
-                </a:effectLst>
-                <a:latin typeface="+mj-ea"/>
-              </a:rPr>
-              <a:t>9</a:t>
+              <a:t>Spring 9</a:t>
             </a:r>
             <a:r>
               <a:rPr lang="ko-KR" altLang="en-US" dirty="0" smtClean="0">
@@ -3771,6 +3759,112 @@
     <p:extLst>
       <p:ext uri="{BB962C8B-B14F-4D97-AF65-F5344CB8AC3E}">
         <p14:creationId xmlns:p14="http://schemas.microsoft.com/office/powerpoint/2010/main" val="1890073126"/>
+      </p:ext>
+    </p:extLst>
+  </p:cSld>
+  <p:clrMapOvr>
+    <a:masterClrMapping/>
+  </p:clrMapOvr>
+</p:sld>
+</file>
+
+<file path=ppt/slides/slide13.xml><?xml version="1.0" encoding="utf-8"?>
+<p:sld xmlns:a="http://schemas.openxmlformats.org/drawingml/2006/main" xmlns:r="http://schemas.openxmlformats.org/officeDocument/2006/relationships" xmlns:p="http://schemas.openxmlformats.org/presentationml/2006/main">
+  <p:cSld>
+    <p:spTree>
+      <p:nvGrpSpPr>
+        <p:cNvPr id="1" name=""/>
+        <p:cNvGrpSpPr/>
+        <p:nvPr/>
+      </p:nvGrpSpPr>
+      <p:grpSpPr>
+        <a:xfrm>
+          <a:off x="0" y="0"/>
+          <a:ext cx="0" cy="0"/>
+          <a:chOff x="0" y="0"/>
+          <a:chExt cx="0" cy="0"/>
+        </a:xfrm>
+      </p:grpSpPr>
+      <p:pic>
+        <p:nvPicPr>
+          <p:cNvPr id="2" name="그림 1"/>
+          <p:cNvPicPr>
+            <a:picLocks noChangeAspect="1"/>
+          </p:cNvPicPr>
+          <p:nvPr/>
+        </p:nvPicPr>
+        <p:blipFill>
+          <a:blip r:embed="rId2"/>
+          <a:stretch>
+            <a:fillRect/>
+          </a:stretch>
+        </p:blipFill>
+        <p:spPr>
+          <a:xfrm>
+            <a:off x="311665" y="2374023"/>
+            <a:ext cx="8306242" cy="4148974"/>
+          </a:xfrm>
+          <a:prstGeom prst="rect">
+            <a:avLst/>
+          </a:prstGeom>
+        </p:spPr>
+      </p:pic>
+      <p:sp>
+        <p:nvSpPr>
+          <p:cNvPr id="3" name="직사각형 2"/>
+          <p:cNvSpPr/>
+          <p:nvPr/>
+        </p:nvSpPr>
+        <p:spPr>
+          <a:xfrm>
+            <a:off x="311665" y="337583"/>
+            <a:ext cx="8306242" cy="369332"/>
+          </a:xfrm>
+          <a:prstGeom prst="rect">
+            <a:avLst/>
+          </a:prstGeom>
+        </p:spPr>
+        <p:txBody>
+          <a:bodyPr wrap="square">
+            <a:spAutoFit/>
+          </a:bodyPr>
+          <a:lstStyle/>
+          <a:p>
+            <a:r>
+              <a:rPr lang="ko-KR" altLang="en-US" dirty="0"/>
+              <a:t>https://www.postman.com/downloads/?utm_source=postman-home</a:t>
+            </a:r>
+          </a:p>
+        </p:txBody>
+      </p:sp>
+      <p:pic>
+        <p:nvPicPr>
+          <p:cNvPr id="4" name="그림 3"/>
+          <p:cNvPicPr>
+            <a:picLocks noChangeAspect="1"/>
+          </p:cNvPicPr>
+          <p:nvPr/>
+        </p:nvPicPr>
+        <p:blipFill>
+          <a:blip r:embed="rId3"/>
+          <a:stretch>
+            <a:fillRect/>
+          </a:stretch>
+        </p:blipFill>
+        <p:spPr>
+          <a:xfrm>
+            <a:off x="311665" y="706915"/>
+            <a:ext cx="4334480" cy="1667108"/>
+          </a:xfrm>
+          <a:prstGeom prst="rect">
+            <a:avLst/>
+          </a:prstGeom>
+        </p:spPr>
+      </p:pic>
+    </p:spTree>
+    <p:extLst>
+      <p:ext uri="{BB962C8B-B14F-4D97-AF65-F5344CB8AC3E}">
+        <p14:creationId xmlns:p14="http://schemas.microsoft.com/office/powerpoint/2010/main" val="3693356975"/>
       </p:ext>
     </p:extLst>
   </p:cSld>
